--- a/WEEK7移动端开发/第12期第七周班会.pptx
+++ b/WEEK7移动端开发/第12期第七周班会.pptx
@@ -4412,14 +4412,7 @@
                 <a:latin typeface="楷体" panose="02010609060101010101" charset="-122"/>
                 <a:ea typeface="楷体" panose="02010609060101010101" charset="-122"/>
               </a:rPr>
-              <a:t>：</a:t>
-            </a:r>
-            <a:r>
-              <a:rPr lang="zh-CN" altLang="en-US" sz="2400">
-                <a:latin typeface="楷体" panose="02010609060101010101" charset="-122"/>
-                <a:ea typeface="楷体" panose="02010609060101010101" charset="-122"/>
-              </a:rPr>
-              <a:t>http://fex.baidu.com/</a:t>
+              <a:t>：http://fex.baidu.com/</a:t>
             </a:r>
             <a:endParaRPr lang="zh-CN" altLang="en-US" sz="2400">
               <a:latin typeface="楷体" panose="02010609060101010101" charset="-122"/>
@@ -4504,21 +4497,7 @@
                 <a:latin typeface="楷体" panose="02010609060101010101" charset="-122"/>
                 <a:ea typeface="楷体" panose="02010609060101010101" charset="-122"/>
               </a:rPr>
-              <a:t>奇</a:t>
-            </a:r>
-            <a:r>
-              <a:rPr lang="zh-CN" altLang="en-US" sz="2400">
-                <a:latin typeface="楷体" panose="02010609060101010101" charset="-122"/>
-                <a:ea typeface="楷体" panose="02010609060101010101" charset="-122"/>
-              </a:rPr>
-              <a:t>舞团</a:t>
-            </a:r>
-            <a:r>
-              <a:rPr lang="zh-CN" altLang="en-US" sz="2400">
-                <a:latin typeface="楷体" panose="02010609060101010101" charset="-122"/>
-                <a:ea typeface="楷体" panose="02010609060101010101" charset="-122"/>
-              </a:rPr>
-              <a:t>：https://75team.com/</a:t>
+              <a:t>奇舞团：https://75team.com/</a:t>
             </a:r>
             <a:br>
               <a:rPr lang="en-US" altLang="zh-CN" sz="2400" b="1">
